--- a/documentation/draft/ci-environment/descision-making-flow-chart.pptx
+++ b/documentation/draft/ci-environment/descision-making-flow-chart.pptx
@@ -3187,12 +3187,12 @@
           <a:p>
             <a:pPr algn="ctr"/>
             <a:r>
-              <a:rPr lang="en-US" altLang="ko-KR" sz="1200" dirty="0" smtClean="0"/>
+              <a:rPr lang="en-US" altLang="ko-KR" sz="1200" smtClean="0"/>
               <a:t>(</a:t>
             </a:r>
             <a:r>
-              <a:rPr lang="ko-KR" altLang="en-US" sz="1200" dirty="0" smtClean="0"/>
-              <a:t>후행 병렬처리</a:t>
+              <a:rPr lang="ko-KR" altLang="en-US" sz="1200" smtClean="0"/>
+              <a:t>병렬처리</a:t>
             </a:r>
             <a:r>
               <a:rPr lang="en-US" altLang="ko-KR" sz="1200" dirty="0" smtClean="0"/>

--- a/documentation/draft/ci-environment/descision-making-flow-chart.pptx
+++ b/documentation/draft/ci-environment/descision-making-flow-chart.pptx
@@ -6,6 +6,7 @@
   </p:sldMasterIdLst>
   <p:sldIdLst>
     <p:sldId id="256" r:id="rId2"/>
+    <p:sldId id="257" r:id="rId3"/>
   </p:sldIdLst>
   <p:sldSz cx="9144000" cy="6858000" type="screen4x3"/>
   <p:notesSz cx="6858000" cy="9144000"/>
@@ -3187,11 +3188,11 @@
           <a:p>
             <a:pPr algn="ctr"/>
             <a:r>
-              <a:rPr lang="en-US" altLang="ko-KR" sz="1200" smtClean="0"/>
+              <a:rPr lang="en-US" altLang="ko-KR" sz="1200" dirty="0" smtClean="0"/>
               <a:t>(</a:t>
             </a:r>
             <a:r>
-              <a:rPr lang="ko-KR" altLang="en-US" sz="1200" smtClean="0"/>
+              <a:rPr lang="ko-KR" altLang="en-US" sz="1200" dirty="0" smtClean="0"/>
               <a:t>병렬처리</a:t>
             </a:r>
             <a:r>
@@ -3645,6 +3646,627 @@
     <p:extLst>
       <p:ext uri="{BB962C8B-B14F-4D97-AF65-F5344CB8AC3E}">
         <p14:creationId xmlns:p14="http://schemas.microsoft.com/office/powerpoint/2010/main" val="1379700602"/>
+      </p:ext>
+    </p:extLst>
+  </p:cSld>
+  <p:clrMapOvr>
+    <a:masterClrMapping/>
+  </p:clrMapOvr>
+</p:sld>
+</file>
+
+<file path=ppt/slides/slide2.xml><?xml version="1.0" encoding="utf-8"?>
+<p:sld xmlns:a="http://schemas.openxmlformats.org/drawingml/2006/main" xmlns:r="http://schemas.openxmlformats.org/officeDocument/2006/relationships" xmlns:p="http://schemas.openxmlformats.org/presentationml/2006/main">
+  <p:cSld>
+    <p:spTree>
+      <p:nvGrpSpPr>
+        <p:cNvPr id="1" name=""/>
+        <p:cNvGrpSpPr/>
+        <p:nvPr/>
+      </p:nvGrpSpPr>
+      <p:grpSpPr>
+        <a:xfrm>
+          <a:off x="0" y="0"/>
+          <a:ext cx="0" cy="0"/>
+          <a:chOff x="0" y="0"/>
+          <a:chExt cx="0" cy="0"/>
+        </a:xfrm>
+      </p:grpSpPr>
+      <p:sp>
+        <p:nvSpPr>
+          <p:cNvPr id="4" name="타원 3"/>
+          <p:cNvSpPr/>
+          <p:nvPr/>
+        </p:nvSpPr>
+        <p:spPr>
+          <a:xfrm>
+            <a:off x="4427984" y="2780928"/>
+            <a:ext cx="288032" cy="288032"/>
+          </a:xfrm>
+          <a:prstGeom prst="ellipse">
+            <a:avLst/>
+          </a:prstGeom>
+        </p:spPr>
+        <p:style>
+          <a:lnRef idx="2">
+            <a:schemeClr val="accent1"/>
+          </a:lnRef>
+          <a:fillRef idx="1">
+            <a:schemeClr val="lt1"/>
+          </a:fillRef>
+          <a:effectRef idx="0">
+            <a:schemeClr val="accent1"/>
+          </a:effectRef>
+          <a:fontRef idx="minor">
+            <a:schemeClr val="dk1"/>
+          </a:fontRef>
+        </p:style>
+        <p:txBody>
+          <a:bodyPr rtlCol="0" anchor="ctr"/>
+          <a:lstStyle/>
+          <a:p>
+            <a:pPr algn="ctr"/>
+            <a:endParaRPr lang="ko-KR" altLang="en-US" sz="1200"/>
+          </a:p>
+        </p:txBody>
+      </p:sp>
+      <p:sp>
+        <p:nvSpPr>
+          <p:cNvPr id="5" name="타원 4"/>
+          <p:cNvSpPr/>
+          <p:nvPr/>
+        </p:nvSpPr>
+        <p:spPr>
+          <a:xfrm>
+            <a:off x="6267141" y="5589240"/>
+            <a:ext cx="288032" cy="288032"/>
+          </a:xfrm>
+          <a:prstGeom prst="ellipse">
+            <a:avLst/>
+          </a:prstGeom>
+          <a:ln w="63500"/>
+        </p:spPr>
+        <p:style>
+          <a:lnRef idx="2">
+            <a:schemeClr val="accent1"/>
+          </a:lnRef>
+          <a:fillRef idx="1">
+            <a:schemeClr val="lt1"/>
+          </a:fillRef>
+          <a:effectRef idx="0">
+            <a:schemeClr val="accent1"/>
+          </a:effectRef>
+          <a:fontRef idx="minor">
+            <a:schemeClr val="dk1"/>
+          </a:fontRef>
+        </p:style>
+        <p:txBody>
+          <a:bodyPr rtlCol="0" anchor="ctr"/>
+          <a:lstStyle/>
+          <a:p>
+            <a:pPr algn="ctr"/>
+            <a:endParaRPr lang="ko-KR" altLang="en-US" sz="1200"/>
+          </a:p>
+        </p:txBody>
+      </p:sp>
+      <p:sp>
+        <p:nvSpPr>
+          <p:cNvPr id="6" name="다이아몬드 5"/>
+          <p:cNvSpPr/>
+          <p:nvPr/>
+        </p:nvSpPr>
+        <p:spPr>
+          <a:xfrm>
+            <a:off x="2987824" y="3358204"/>
+            <a:ext cx="3168352" cy="1152128"/>
+          </a:xfrm>
+          <a:prstGeom prst="diamond">
+            <a:avLst/>
+          </a:prstGeom>
+        </p:spPr>
+        <p:style>
+          <a:lnRef idx="2">
+            <a:schemeClr val="accent1"/>
+          </a:lnRef>
+          <a:fillRef idx="1">
+            <a:schemeClr val="lt1"/>
+          </a:fillRef>
+          <a:effectRef idx="0">
+            <a:schemeClr val="accent1"/>
+          </a:effectRef>
+          <a:fontRef idx="minor">
+            <a:schemeClr val="dk1"/>
+          </a:fontRef>
+        </p:style>
+        <p:txBody>
+          <a:bodyPr rtlCol="0" anchor="ctr"/>
+          <a:lstStyle/>
+          <a:p>
+            <a:pPr algn="ctr"/>
+            <a:r>
+              <a:rPr lang="ko-KR" altLang="en-US" sz="1200" dirty="0" smtClean="0"/>
+              <a:t>작업에 대한 순서 보장</a:t>
+            </a:r>
+            <a:r>
+              <a:rPr lang="en-US" altLang="ko-KR" sz="1200" dirty="0" smtClean="0"/>
+              <a:t>, </a:t>
+            </a:r>
+            <a:r>
+              <a:rPr lang="ko-KR" altLang="en-US" sz="1200" dirty="0" smtClean="0"/>
+              <a:t>배타적 실행</a:t>
+            </a:r>
+            <a:r>
+              <a:rPr lang="en-US" altLang="ko-KR" sz="1200" dirty="0" smtClean="0"/>
+              <a:t>, </a:t>
+            </a:r>
+            <a:r>
+              <a:rPr lang="ko-KR" altLang="en-US" sz="1200" dirty="0" smtClean="0"/>
+              <a:t>병렬 처리 필요 여부</a:t>
+            </a:r>
+            <a:endParaRPr lang="en-US" altLang="ko-KR" sz="1200" dirty="0" smtClean="0"/>
+          </a:p>
+          <a:p>
+            <a:pPr algn="ctr"/>
+            <a:r>
+              <a:rPr lang="en-US" altLang="ko-KR" sz="1200" dirty="0" smtClean="0"/>
+              <a:t>(</a:t>
+            </a:r>
+            <a:r>
+              <a:rPr lang="ko-KR" altLang="en-US" sz="1200" dirty="0" smtClean="0"/>
+              <a:t>작업 재구성</a:t>
+            </a:r>
+            <a:r>
+              <a:rPr lang="en-US" altLang="ko-KR" sz="1200" dirty="0" smtClean="0"/>
+              <a:t>) </a:t>
+            </a:r>
+            <a:endParaRPr lang="ko-KR" altLang="en-US" sz="1200" dirty="0"/>
+          </a:p>
+        </p:txBody>
+      </p:sp>
+      <p:sp>
+        <p:nvSpPr>
+          <p:cNvPr id="7" name="직사각형 6"/>
+          <p:cNvSpPr/>
+          <p:nvPr/>
+        </p:nvSpPr>
+        <p:spPr>
+          <a:xfrm>
+            <a:off x="1835696" y="4798364"/>
+            <a:ext cx="1944216" cy="502844"/>
+          </a:xfrm>
+          <a:prstGeom prst="rect">
+            <a:avLst/>
+          </a:prstGeom>
+        </p:spPr>
+        <p:style>
+          <a:lnRef idx="2">
+            <a:schemeClr val="accent1"/>
+          </a:lnRef>
+          <a:fillRef idx="1">
+            <a:schemeClr val="lt1"/>
+          </a:fillRef>
+          <a:effectRef idx="0">
+            <a:schemeClr val="accent1"/>
+          </a:effectRef>
+          <a:fontRef idx="minor">
+            <a:schemeClr val="dk1"/>
+          </a:fontRef>
+        </p:style>
+        <p:txBody>
+          <a:bodyPr rtlCol="0" anchor="ctr"/>
+          <a:lstStyle/>
+          <a:p>
+            <a:pPr algn="ctr"/>
+            <a:r>
+              <a:rPr lang="en-US" altLang="ko-KR" sz="1200" dirty="0" smtClean="0"/>
+              <a:t>Jenkins Project</a:t>
+            </a:r>
+            <a:endParaRPr lang="ko-KR" altLang="en-US" sz="1200" dirty="0"/>
+          </a:p>
+        </p:txBody>
+      </p:sp>
+      <p:sp>
+        <p:nvSpPr>
+          <p:cNvPr id="8" name="직사각형 7"/>
+          <p:cNvSpPr/>
+          <p:nvPr/>
+        </p:nvSpPr>
+        <p:spPr>
+          <a:xfrm>
+            <a:off x="5436096" y="4798364"/>
+            <a:ext cx="1944216" cy="502844"/>
+          </a:xfrm>
+          <a:prstGeom prst="rect">
+            <a:avLst/>
+          </a:prstGeom>
+        </p:spPr>
+        <p:style>
+          <a:lnRef idx="2">
+            <a:schemeClr val="accent1"/>
+          </a:lnRef>
+          <a:fillRef idx="1">
+            <a:schemeClr val="lt1"/>
+          </a:fillRef>
+          <a:effectRef idx="0">
+            <a:schemeClr val="accent1"/>
+          </a:effectRef>
+          <a:fontRef idx="minor">
+            <a:schemeClr val="dk1"/>
+          </a:fontRef>
+        </p:style>
+        <p:txBody>
+          <a:bodyPr rtlCol="0" anchor="ctr"/>
+          <a:lstStyle/>
+          <a:p>
+            <a:pPr algn="ctr"/>
+            <a:r>
+              <a:rPr lang="en-US" altLang="ko-KR" sz="1200" dirty="0" smtClean="0"/>
+              <a:t>Ant Project</a:t>
+            </a:r>
+            <a:endParaRPr lang="ko-KR" altLang="en-US" sz="1200" dirty="0"/>
+          </a:p>
+        </p:txBody>
+      </p:sp>
+      <p:cxnSp>
+        <p:nvCxnSpPr>
+          <p:cNvPr id="10" name="꺾인 연결선 9"/>
+          <p:cNvCxnSpPr>
+            <a:stCxn id="6" idx="3"/>
+            <a:endCxn id="8" idx="0"/>
+          </p:cNvCxnSpPr>
+          <p:nvPr/>
+        </p:nvCxnSpPr>
+        <p:spPr>
+          <a:xfrm>
+            <a:off x="6156176" y="3934268"/>
+            <a:ext cx="252028" cy="864096"/>
+          </a:xfrm>
+          <a:prstGeom prst="bentConnector2">
+            <a:avLst/>
+          </a:prstGeom>
+          <a:ln w="9525" cmpd="sng">
+            <a:solidFill>
+              <a:schemeClr val="tx1"/>
+            </a:solidFill>
+            <a:tailEnd type="triangle"/>
+          </a:ln>
+        </p:spPr>
+        <p:style>
+          <a:lnRef idx="1">
+            <a:schemeClr val="accent1"/>
+          </a:lnRef>
+          <a:fillRef idx="0">
+            <a:schemeClr val="accent1"/>
+          </a:fillRef>
+          <a:effectRef idx="0">
+            <a:schemeClr val="accent1"/>
+          </a:effectRef>
+          <a:fontRef idx="minor">
+            <a:schemeClr val="tx1"/>
+          </a:fontRef>
+        </p:style>
+      </p:cxnSp>
+      <p:cxnSp>
+        <p:nvCxnSpPr>
+          <p:cNvPr id="12" name="꺾인 연결선 11"/>
+          <p:cNvCxnSpPr>
+            <a:stCxn id="6" idx="1"/>
+            <a:endCxn id="7" idx="0"/>
+          </p:cNvCxnSpPr>
+          <p:nvPr/>
+        </p:nvCxnSpPr>
+        <p:spPr>
+          <a:xfrm rot="10800000" flipV="1">
+            <a:off x="2807804" y="3934268"/>
+            <a:ext cx="180020" cy="864096"/>
+          </a:xfrm>
+          <a:prstGeom prst="bentConnector2">
+            <a:avLst/>
+          </a:prstGeom>
+          <a:ln w="9525" cmpd="sng">
+            <a:solidFill>
+              <a:schemeClr val="tx1"/>
+            </a:solidFill>
+            <a:tailEnd type="triangle"/>
+          </a:ln>
+        </p:spPr>
+        <p:style>
+          <a:lnRef idx="1">
+            <a:schemeClr val="accent1"/>
+          </a:lnRef>
+          <a:fillRef idx="0">
+            <a:schemeClr val="accent1"/>
+          </a:fillRef>
+          <a:effectRef idx="0">
+            <a:schemeClr val="accent1"/>
+          </a:effectRef>
+          <a:fontRef idx="minor">
+            <a:schemeClr val="tx1"/>
+          </a:fontRef>
+        </p:style>
+      </p:cxnSp>
+      <p:cxnSp>
+        <p:nvCxnSpPr>
+          <p:cNvPr id="18" name="직선 화살표 연결선 17"/>
+          <p:cNvCxnSpPr>
+            <a:stCxn id="4" idx="4"/>
+            <a:endCxn id="6" idx="0"/>
+          </p:cNvCxnSpPr>
+          <p:nvPr/>
+        </p:nvCxnSpPr>
+        <p:spPr>
+          <a:xfrm>
+            <a:off x="4572000" y="3068960"/>
+            <a:ext cx="0" cy="289244"/>
+          </a:xfrm>
+          <a:prstGeom prst="straightConnector1">
+            <a:avLst/>
+          </a:prstGeom>
+          <a:ln w="9525">
+            <a:solidFill>
+              <a:schemeClr val="tx1"/>
+            </a:solidFill>
+            <a:tailEnd type="triangle"/>
+          </a:ln>
+        </p:spPr>
+        <p:style>
+          <a:lnRef idx="1">
+            <a:schemeClr val="accent1"/>
+          </a:lnRef>
+          <a:fillRef idx="0">
+            <a:schemeClr val="accent1"/>
+          </a:fillRef>
+          <a:effectRef idx="0">
+            <a:schemeClr val="accent1"/>
+          </a:effectRef>
+          <a:fontRef idx="minor">
+            <a:schemeClr val="tx1"/>
+          </a:fontRef>
+        </p:style>
+      </p:cxnSp>
+      <p:sp>
+        <p:nvSpPr>
+          <p:cNvPr id="19" name="TextBox 18"/>
+          <p:cNvSpPr txBox="1"/>
+          <p:nvPr/>
+        </p:nvSpPr>
+        <p:spPr>
+          <a:xfrm>
+            <a:off x="2279357" y="3944089"/>
+            <a:ext cx="492443" cy="276999"/>
+          </a:xfrm>
+          <a:prstGeom prst="rect">
+            <a:avLst/>
+          </a:prstGeom>
+          <a:noFill/>
+        </p:spPr>
+        <p:txBody>
+          <a:bodyPr wrap="none" rtlCol="0">
+            <a:spAutoFit/>
+          </a:bodyPr>
+          <a:lstStyle/>
+          <a:p>
+            <a:r>
+              <a:rPr lang="ko-KR" altLang="en-US" sz="1200" dirty="0" smtClean="0"/>
+              <a:t>필</a:t>
+            </a:r>
+            <a:r>
+              <a:rPr lang="ko-KR" altLang="en-US" sz="1200" dirty="0"/>
+              <a:t>요</a:t>
+            </a:r>
+          </a:p>
+        </p:txBody>
+      </p:sp>
+      <p:sp>
+        <p:nvSpPr>
+          <p:cNvPr id="20" name="TextBox 19"/>
+          <p:cNvSpPr txBox="1"/>
+          <p:nvPr/>
+        </p:nvSpPr>
+        <p:spPr>
+          <a:xfrm>
+            <a:off x="6455821" y="3944089"/>
+            <a:ext cx="646331" cy="276999"/>
+          </a:xfrm>
+          <a:prstGeom prst="rect">
+            <a:avLst/>
+          </a:prstGeom>
+          <a:noFill/>
+        </p:spPr>
+        <p:txBody>
+          <a:bodyPr wrap="none" rtlCol="0">
+            <a:spAutoFit/>
+          </a:bodyPr>
+          <a:lstStyle/>
+          <a:p>
+            <a:r>
+              <a:rPr lang="ko-KR" altLang="en-US" sz="1200" dirty="0" smtClean="0"/>
+              <a:t>불필</a:t>
+            </a:r>
+            <a:r>
+              <a:rPr lang="ko-KR" altLang="en-US" sz="1200" dirty="0"/>
+              <a:t>요</a:t>
+            </a:r>
+          </a:p>
+        </p:txBody>
+      </p:sp>
+      <p:sp>
+        <p:nvSpPr>
+          <p:cNvPr id="21" name="타원 20"/>
+          <p:cNvSpPr/>
+          <p:nvPr/>
+        </p:nvSpPr>
+        <p:spPr>
+          <a:xfrm>
+            <a:off x="2666741" y="5589240"/>
+            <a:ext cx="288032" cy="288032"/>
+          </a:xfrm>
+          <a:prstGeom prst="ellipse">
+            <a:avLst/>
+          </a:prstGeom>
+          <a:ln w="63500"/>
+        </p:spPr>
+        <p:style>
+          <a:lnRef idx="2">
+            <a:schemeClr val="accent1"/>
+          </a:lnRef>
+          <a:fillRef idx="1">
+            <a:schemeClr val="lt1"/>
+          </a:fillRef>
+          <a:effectRef idx="0">
+            <a:schemeClr val="accent1"/>
+          </a:effectRef>
+          <a:fontRef idx="minor">
+            <a:schemeClr val="dk1"/>
+          </a:fontRef>
+        </p:style>
+        <p:txBody>
+          <a:bodyPr rtlCol="0" anchor="ctr"/>
+          <a:lstStyle/>
+          <a:p>
+            <a:pPr algn="ctr"/>
+            <a:endParaRPr lang="ko-KR" altLang="en-US" sz="1200"/>
+          </a:p>
+        </p:txBody>
+      </p:sp>
+      <p:cxnSp>
+        <p:nvCxnSpPr>
+          <p:cNvPr id="22" name="직선 화살표 연결선 21"/>
+          <p:cNvCxnSpPr>
+            <a:stCxn id="8" idx="2"/>
+            <a:endCxn id="5" idx="0"/>
+          </p:cNvCxnSpPr>
+          <p:nvPr/>
+        </p:nvCxnSpPr>
+        <p:spPr>
+          <a:xfrm>
+            <a:off x="6408204" y="5301208"/>
+            <a:ext cx="2953" cy="288032"/>
+          </a:xfrm>
+          <a:prstGeom prst="straightConnector1">
+            <a:avLst/>
+          </a:prstGeom>
+          <a:ln w="9525">
+            <a:solidFill>
+              <a:schemeClr val="tx1"/>
+            </a:solidFill>
+            <a:tailEnd type="triangle"/>
+          </a:ln>
+        </p:spPr>
+        <p:style>
+          <a:lnRef idx="1">
+            <a:schemeClr val="accent1"/>
+          </a:lnRef>
+          <a:fillRef idx="0">
+            <a:schemeClr val="accent1"/>
+          </a:fillRef>
+          <a:effectRef idx="0">
+            <a:schemeClr val="accent1"/>
+          </a:effectRef>
+          <a:fontRef idx="minor">
+            <a:schemeClr val="tx1"/>
+          </a:fontRef>
+        </p:style>
+      </p:cxnSp>
+      <p:cxnSp>
+        <p:nvCxnSpPr>
+          <p:cNvPr id="25" name="직선 화살표 연결선 24"/>
+          <p:cNvCxnSpPr>
+            <a:stCxn id="7" idx="2"/>
+            <a:endCxn id="21" idx="0"/>
+          </p:cNvCxnSpPr>
+          <p:nvPr/>
+        </p:nvCxnSpPr>
+        <p:spPr>
+          <a:xfrm>
+            <a:off x="2807804" y="5301208"/>
+            <a:ext cx="2953" cy="288032"/>
+          </a:xfrm>
+          <a:prstGeom prst="straightConnector1">
+            <a:avLst/>
+          </a:prstGeom>
+          <a:ln w="9525">
+            <a:solidFill>
+              <a:schemeClr val="tx1"/>
+            </a:solidFill>
+            <a:tailEnd type="triangle"/>
+          </a:ln>
+        </p:spPr>
+        <p:style>
+          <a:lnRef idx="1">
+            <a:schemeClr val="accent1"/>
+          </a:lnRef>
+          <a:fillRef idx="0">
+            <a:schemeClr val="accent1"/>
+          </a:fillRef>
+          <a:effectRef idx="0">
+            <a:schemeClr val="accent1"/>
+          </a:effectRef>
+          <a:fontRef idx="minor">
+            <a:schemeClr val="tx1"/>
+          </a:fontRef>
+        </p:style>
+      </p:cxnSp>
+      <p:sp>
+        <p:nvSpPr>
+          <p:cNvPr id="28" name="TextBox 27"/>
+          <p:cNvSpPr txBox="1"/>
+          <p:nvPr/>
+        </p:nvSpPr>
+        <p:spPr>
+          <a:xfrm>
+            <a:off x="251520" y="179348"/>
+            <a:ext cx="6563015" cy="646331"/>
+          </a:xfrm>
+          <a:prstGeom prst="rect">
+            <a:avLst/>
+          </a:prstGeom>
+          <a:noFill/>
+        </p:spPr>
+        <p:txBody>
+          <a:bodyPr wrap="none" rtlCol="0">
+            <a:spAutoFit/>
+          </a:bodyPr>
+          <a:lstStyle/>
+          <a:p>
+            <a:r>
+              <a:rPr lang="en-US" altLang="ko-KR" dirty="0" smtClean="0"/>
+              <a:t>Ant Project(Target) vs. Jenkins Project(Job):</a:t>
+            </a:r>
+          </a:p>
+          <a:p>
+            <a:r>
+              <a:rPr lang="ko-KR" altLang="en-US" dirty="0" smtClean="0"/>
+              <a:t>작업에 대한 순서 보장</a:t>
+            </a:r>
+            <a:r>
+              <a:rPr lang="en-US" altLang="ko-KR" dirty="0" smtClean="0"/>
+              <a:t>, </a:t>
+            </a:r>
+            <a:r>
+              <a:rPr lang="ko-KR" altLang="en-US" dirty="0" smtClean="0"/>
+              <a:t>배타적 실행</a:t>
+            </a:r>
+            <a:r>
+              <a:rPr lang="en-US" altLang="ko-KR" dirty="0" smtClean="0"/>
+              <a:t>, </a:t>
+            </a:r>
+            <a:r>
+              <a:rPr lang="ko-KR" altLang="en-US" dirty="0" smtClean="0"/>
+              <a:t>병렬처리 필요 </a:t>
+            </a:r>
+            <a:r>
+              <a:rPr lang="ko-KR" altLang="en-US" smtClean="0"/>
+              <a:t>여부 관점</a:t>
+            </a:r>
+            <a:endParaRPr lang="en-US" altLang="ko-KR" dirty="0" smtClean="0"/>
+          </a:p>
+        </p:txBody>
+      </p:sp>
+    </p:spTree>
+    <p:extLst>
+      <p:ext uri="{BB962C8B-B14F-4D97-AF65-F5344CB8AC3E}">
+        <p14:creationId xmlns:p14="http://schemas.microsoft.com/office/powerpoint/2010/main" val="2223839400"/>
       </p:ext>
     </p:extLst>
   </p:cSld>
